--- a/src/pages/en/events/2024-09-13/slides/00_index_en.pptx
+++ b/src/pages/en/events/2024-09-13/slides/00_index_en.pptx
@@ -122,7 +122,7 @@
 <file path=ppt/revisionInfo.xml><?xml version="1.0" encoding="utf-8"?>
 <p1510:revInfo xmlns:a="http://schemas.openxmlformats.org/drawingml/2006/main" xmlns:r="http://schemas.openxmlformats.org/officeDocument/2006/relationships" xmlns:p1510="http://schemas.microsoft.com/office/powerpoint/2015/10/main">
   <p1510:revLst>
-    <p1510:client id="{FC2ECA0E-D879-4C4C-A282-65D3529D2725}" v="6" dt="2024-09-09T02:47:45.829"/>
+    <p1510:client id="{FC2ECA0E-D879-4C4C-A282-65D3529D2725}" v="7" dt="2024-09-10T07:35:04.912"/>
   </p1510:revLst>
 </p1510:revInfo>
 </file>
@@ -450,18 +450,18 @@
   <pc:docChgLst>
     <pc:chgData name="佐藤　寛也" userId="27837c8b-abaf-4096-b544-58e4cbe7054e" providerId="ADAL" clId="{FC2ECA0E-D879-4C4C-A282-65D3529D2725}"/>
     <pc:docChg chg="undo custSel modSld">
-      <pc:chgData name="佐藤　寛也" userId="27837c8b-abaf-4096-b544-58e4cbe7054e" providerId="ADAL" clId="{FC2ECA0E-D879-4C4C-A282-65D3529D2725}" dt="2024-09-09T03:10:37.069" v="47" actId="313"/>
+      <pc:chgData name="佐藤　寛也" userId="27837c8b-abaf-4096-b544-58e4cbe7054e" providerId="ADAL" clId="{FC2ECA0E-D879-4C4C-A282-65D3529D2725}" dt="2024-09-10T07:35:14.507" v="51" actId="20577"/>
       <pc:docMkLst>
         <pc:docMk/>
       </pc:docMkLst>
       <pc:sldChg chg="modSp mod">
-        <pc:chgData name="佐藤　寛也" userId="27837c8b-abaf-4096-b544-58e4cbe7054e" providerId="ADAL" clId="{FC2ECA0E-D879-4C4C-A282-65D3529D2725}" dt="2024-09-09T02:46:11.037" v="44" actId="20577"/>
+        <pc:chgData name="佐藤　寛也" userId="27837c8b-abaf-4096-b544-58e4cbe7054e" providerId="ADAL" clId="{FC2ECA0E-D879-4C4C-A282-65D3529D2725}" dt="2024-09-10T07:35:14.507" v="51" actId="20577"/>
         <pc:sldMkLst>
           <pc:docMk/>
           <pc:sldMk cId="2292264982" sldId="256"/>
         </pc:sldMkLst>
         <pc:spChg chg="mod">
-          <ac:chgData name="佐藤　寛也" userId="27837c8b-abaf-4096-b544-58e4cbe7054e" providerId="ADAL" clId="{FC2ECA0E-D879-4C4C-A282-65D3529D2725}" dt="2024-09-09T02:46:11.037" v="44" actId="20577"/>
+          <ac:chgData name="佐藤　寛也" userId="27837c8b-abaf-4096-b544-58e4cbe7054e" providerId="ADAL" clId="{FC2ECA0E-D879-4C4C-A282-65D3529D2725}" dt="2024-09-10T07:35:14.507" v="51" actId="20577"/>
           <ac:spMkLst>
             <pc:docMk/>
             <pc:sldMk cId="2292264982" sldId="256"/>
@@ -2960,7 +2960,7 @@
           <a:p>
             <a:fld id="{96357DEA-ACAF-40EA-B5F3-BF51E1BB8B9A}" type="datetimeFigureOut">
               <a:rPr kumimoji="1" lang="ja-JP" altLang="en-US" smtClean="0"/>
-              <a:t>2024/9/9</a:t>
+              <a:t>2024/9/10</a:t>
             </a:fld>
             <a:endParaRPr kumimoji="1" lang="ja-JP" altLang="en-US"/>
           </a:p>
@@ -3523,10 +3523,10 @@
           <p:nvPr userDrawn="1"/>
         </p:nvPicPr>
         <p:blipFill>
-          <a:blip r:embed="rId3">
+          <a:blip r:embed="rId3" cstate="screen">
             <a:extLst>
               <a:ext uri="{28A0092B-C50C-407E-A947-70E740481C1C}">
-                <a14:useLocalDpi xmlns:a14="http://schemas.microsoft.com/office/drawing/2010/main" val="0"/>
+                <a14:useLocalDpi xmlns:a14="http://schemas.microsoft.com/office/drawing/2010/main"/>
               </a:ext>
             </a:extLst>
           </a:blip>
@@ -4090,10 +4090,10 @@
           <p:nvPr userDrawn="1"/>
         </p:nvPicPr>
         <p:blipFill>
-          <a:blip r:embed="rId3">
+          <a:blip r:embed="rId3" cstate="screen">
             <a:extLst>
               <a:ext uri="{28A0092B-C50C-407E-A947-70E740481C1C}">
-                <a14:useLocalDpi xmlns:a14="http://schemas.microsoft.com/office/drawing/2010/main" val="0"/>
+                <a14:useLocalDpi xmlns:a14="http://schemas.microsoft.com/office/drawing/2010/main"/>
               </a:ext>
             </a:extLst>
           </a:blip>
@@ -4774,10 +4774,10 @@
           <p:nvPr userDrawn="1"/>
         </p:nvPicPr>
         <p:blipFill>
-          <a:blip r:embed="rId8">
+          <a:blip r:embed="rId8" cstate="screen">
             <a:extLst>
               <a:ext uri="{28A0092B-C50C-407E-A947-70E740481C1C}">
-                <a14:useLocalDpi xmlns:a14="http://schemas.microsoft.com/office/drawing/2010/main" val="0"/>
+                <a14:useLocalDpi xmlns:a14="http://schemas.microsoft.com/office/drawing/2010/main"/>
               </a:ext>
             </a:extLst>
           </a:blip>
@@ -5397,7 +5397,7 @@
                 </a:solidFill>
                 <a:latin typeface="Consolas" panose="020B0609020204030204" pitchFamily="49" charset="0"/>
               </a:rPr>
-              <a:t>Ver 2.20 Last updated on 2024/09/09</a:t>
+              <a:t>Ver 2.22 Last updated on 2024/09/10</a:t>
             </a:r>
             <a:endParaRPr kumimoji="1" lang="ja-JP" altLang="en-US" sz="1400" dirty="0">
               <a:solidFill>
@@ -7080,7 +7080,13 @@
           <p:nvPr/>
         </p:nvPicPr>
         <p:blipFill>
-          <a:blip r:embed="rId4"/>
+          <a:blip r:embed="rId4" cstate="screen">
+            <a:extLst>
+              <a:ext uri="{28A0092B-C50C-407E-A947-70E740481C1C}">
+                <a14:useLocalDpi xmlns:a14="http://schemas.microsoft.com/office/drawing/2010/main"/>
+              </a:ext>
+            </a:extLst>
+          </a:blip>
           <a:stretch>
             <a:fillRect/>
           </a:stretch>
@@ -7120,7 +7126,13 @@
           <p:nvPr/>
         </p:nvPicPr>
         <p:blipFill>
-          <a:blip r:embed="rId5"/>
+          <a:blip r:embed="rId5" cstate="screen">
+            <a:extLst>
+              <a:ext uri="{28A0092B-C50C-407E-A947-70E740481C1C}">
+                <a14:useLocalDpi xmlns:a14="http://schemas.microsoft.com/office/drawing/2010/main"/>
+              </a:ext>
+            </a:extLst>
+          </a:blip>
           <a:stretch>
             <a:fillRect/>
           </a:stretch>
@@ -7755,6 +7767,15 @@
 </file>
 
 <file path=customXml/item1.xml><?xml version="1.0" encoding="utf-8"?>
+<?mso-contentType ?>
+<FormTemplates xmlns="http://schemas.microsoft.com/sharepoint/v3/contenttype/forms">
+  <Display>DocumentLibraryForm</Display>
+  <Edit>DocumentLibraryForm</Edit>
+  <New>DocumentLibraryForm</New>
+</FormTemplates>
+</file>
+
+<file path=customXml/item2.xml><?xml version="1.0" encoding="utf-8"?>
 <ct:contentTypeSchema xmlns:ct="http://schemas.microsoft.com/office/2006/metadata/contentType" xmlns:ma="http://schemas.microsoft.com/office/2006/metadata/properties/metaAttributes" ct:_="" ma:_="" ma:contentTypeName="ドキュメント" ma:contentTypeID="0x010100BC2807EFFEAAE646B3C72679374A27AD" ma:contentTypeVersion="16" ma:contentTypeDescription="新しいドキュメントを作成します。" ma:contentTypeScope="" ma:versionID="fc2dabbf376b68d69de6d8a4d9b1094b">
   <xsd:schema xmlns:xsd="http://www.w3.org/2001/XMLSchema" xmlns:xs="http://www.w3.org/2001/XMLSchema" xmlns:p="http://schemas.microsoft.com/office/2006/metadata/properties" xmlns:ns2="d89fd5b0-f297-46a7-8c43-79b7b7b34272" xmlns:ns3="334cf2e0-0245-4f40-82a3-a831e5e7775a" targetNamespace="http://schemas.microsoft.com/office/2006/metadata/properties" ma:root="true" ma:fieldsID="2af6a43cef02a594c9bf66487b64536d" ns2:_="" ns3:_="">
     <xsd:import namespace="d89fd5b0-f297-46a7-8c43-79b7b7b34272"/>
@@ -7997,15 +8018,6 @@
 </ct:contentTypeSchema>
 </file>
 
-<file path=customXml/item2.xml><?xml version="1.0" encoding="utf-8"?>
-<?mso-contentType ?>
-<FormTemplates xmlns="http://schemas.microsoft.com/sharepoint/v3/contenttype/forms">
-  <Display>DocumentLibraryForm</Display>
-  <Edit>DocumentLibraryForm</Edit>
-  <New>DocumentLibraryForm</New>
-</FormTemplates>
-</file>
-
 <file path=customXml/item3.xml><?xml version="1.0" encoding="utf-8"?>
 <p:properties xmlns:p="http://schemas.microsoft.com/office/2006/metadata/properties" xmlns:xsi="http://www.w3.org/2001/XMLSchema-instance" xmlns:pc="http://schemas.microsoft.com/office/infopath/2007/PartnerControls">
   <documentManagement>
@@ -8018,6 +8030,14 @@
 </file>
 
 <file path=customXml/itemProps1.xml><?xml version="1.0" encoding="utf-8"?>
+<ds:datastoreItem xmlns:ds="http://schemas.openxmlformats.org/officeDocument/2006/customXml" ds:itemID="{6130639F-8A0E-4631-BB2C-1307E9C18413}">
+  <ds:schemaRefs>
+    <ds:schemaRef ds:uri="http://schemas.microsoft.com/sharepoint/v3/contenttype/forms"/>
+  </ds:schemaRefs>
+</ds:datastoreItem>
+</file>
+
+<file path=customXml/itemProps2.xml><?xml version="1.0" encoding="utf-8"?>
 <ds:datastoreItem xmlns:ds="http://schemas.openxmlformats.org/officeDocument/2006/customXml" ds:itemID="{F93CFB6C-0365-477A-ACC4-69DD447D2CFE}">
   <ds:schemaRefs>
     <ds:schemaRef ds:uri="http://schemas.microsoft.com/office/2006/metadata/contentType"/>
@@ -8036,27 +8056,19 @@
 </ds:datastoreItem>
 </file>
 
-<file path=customXml/itemProps2.xml><?xml version="1.0" encoding="utf-8"?>
-<ds:datastoreItem xmlns:ds="http://schemas.openxmlformats.org/officeDocument/2006/customXml" ds:itemID="{6130639F-8A0E-4631-BB2C-1307E9C18413}">
-  <ds:schemaRefs>
-    <ds:schemaRef ds:uri="http://schemas.microsoft.com/sharepoint/v3/contenttype/forms"/>
-  </ds:schemaRefs>
-</ds:datastoreItem>
-</file>
-
 <file path=customXml/itemProps3.xml><?xml version="1.0" encoding="utf-8"?>
 <ds:datastoreItem xmlns:ds="http://schemas.openxmlformats.org/officeDocument/2006/customXml" ds:itemID="{613B5A8C-C2D2-4C49-A03B-B41437F9A3AD}">
   <ds:schemaRefs>
-    <ds:schemaRef ds:uri="d89fd5b0-f297-46a7-8c43-79b7b7b34272"/>
+    <ds:schemaRef ds:uri="http://schemas.microsoft.com/office/2006/metadata/properties"/>
+    <ds:schemaRef ds:uri="http://schemas.openxmlformats.org/package/2006/metadata/core-properties"/>
     <ds:schemaRef ds:uri="http://schemas.microsoft.com/office/2006/documentManagement/types"/>
-    <ds:schemaRef ds:uri="http://schemas.openxmlformats.org/package/2006/metadata/core-properties"/>
-    <ds:schemaRef ds:uri="334cf2e0-0245-4f40-82a3-a831e5e7775a"/>
-    <ds:schemaRef ds:uri="http://www.w3.org/XML/1998/namespace"/>
-    <ds:schemaRef ds:uri="http://schemas.microsoft.com/office/infopath/2007/PartnerControls"/>
     <ds:schemaRef ds:uri="http://purl.org/dc/terms/"/>
-    <ds:schemaRef ds:uri="http://schemas.microsoft.com/office/2006/metadata/properties"/>
     <ds:schemaRef ds:uri="http://purl.org/dc/dcmitype/"/>
     <ds:schemaRef ds:uri="http://purl.org/dc/elements/1.1/"/>
+    <ds:schemaRef ds:uri="http://schemas.microsoft.com/office/infopath/2007/PartnerControls"/>
+    <ds:schemaRef ds:uri="334cf2e0-0245-4f40-82a3-a831e5e7775a"/>
+    <ds:schemaRef ds:uri="d89fd5b0-f297-46a7-8c43-79b7b7b34272"/>
+    <ds:schemaRef ds:uri="http://www.w3.org/XML/1998/namespace"/>
   </ds:schemaRefs>
 </ds:datastoreItem>
 </file>
--- a/src/pages/en/events/2024-09-13/slides/00_index_en.pptx
+++ b/src/pages/en/events/2024-09-13/slides/00_index_en.pptx
@@ -2960,7 +2960,7 @@
           <a:p>
             <a:fld id="{96357DEA-ACAF-40EA-B5F3-BF51E1BB8B9A}" type="datetimeFigureOut">
               <a:rPr kumimoji="1" lang="ja-JP" altLang="en-US" smtClean="0"/>
-              <a:t>2024/9/10</a:t>
+              <a:t>2024/9/12</a:t>
             </a:fld>
             <a:endParaRPr kumimoji="1" lang="ja-JP" altLang="en-US"/>
           </a:p>
@@ -5497,15 +5497,7 @@
             </a:pPr>
             <a:r>
               <a:rPr lang="en-US" altLang="ja-JP" dirty="0"/>
-              <a:t>Introduction to the basics of the ICT systems and Tools in </a:t>
-            </a:r>
-            <a:r>
-              <a:rPr lang="en-US" altLang="ja-JP" dirty="0" err="1"/>
-              <a:t>Utokyo</a:t>
-            </a:r>
-            <a:r>
-              <a:rPr lang="en-US" altLang="ja-JP" dirty="0"/>
-              <a:t>.</a:t>
+              <a:t>Introduction to the basics of the ICT systems and Tools in UTokyo.</a:t>
             </a:r>
           </a:p>
           <a:p>
@@ -6916,14 +6908,23 @@
               </a:rPr>
             </a:br>
             <a:r>
-              <a:rPr kumimoji="1" lang="en-US" altLang="ja-JP" dirty="0">
+              <a:rPr kumimoji="1" lang="en-US" altLang="ja-JP">
                 <a:solidFill>
                   <a:srgbClr val="212121"/>
                 </a:solidFill>
                 <a:latin typeface="Open Sans Variable"/>
                 <a:hlinkClick r:id="rId3"/>
               </a:rPr>
-              <a:t>Japanese translated version</a:t>
+              <a:t>Japanese translation</a:t>
+            </a:r>
+            <a:r>
+              <a:rPr kumimoji="1" lang="en-US" altLang="ja-JP">
+                <a:solidFill>
+                  <a:srgbClr val="212121"/>
+                </a:solidFill>
+                <a:latin typeface="Open Sans Variable"/>
+              </a:rPr>
+              <a:t> is </a:t>
             </a:r>
             <a:r>
               <a:rPr kumimoji="1" lang="en-US" altLang="ja-JP" dirty="0">
@@ -6932,7 +6933,7 @@
                 </a:solidFill>
                 <a:latin typeface="Open Sans Variable"/>
               </a:rPr>
-              <a:t> is also available.</a:t>
+              <a:t>also available.</a:t>
             </a:r>
             <a:endParaRPr lang="en-US" altLang="ja-JP" dirty="0">
               <a:solidFill>
@@ -7767,12 +7768,14 @@
 </file>
 
 <file path=customXml/item1.xml><?xml version="1.0" encoding="utf-8"?>
-<?mso-contentType ?>
-<FormTemplates xmlns="http://schemas.microsoft.com/sharepoint/v3/contenttype/forms">
-  <Display>DocumentLibraryForm</Display>
-  <Edit>DocumentLibraryForm</Edit>
-  <New>DocumentLibraryForm</New>
-</FormTemplates>
+<p:properties xmlns:p="http://schemas.microsoft.com/office/2006/metadata/properties" xmlns:xsi="http://www.w3.org/2001/XMLSchema-instance" xmlns:pc="http://schemas.microsoft.com/office/infopath/2007/PartnerControls">
+  <documentManagement>
+    <TaxCatchAll xmlns="334cf2e0-0245-4f40-82a3-a831e5e7775a" xsi:nil="true"/>
+    <lcf76f155ced4ddcb4097134ff3c332f xmlns="d89fd5b0-f297-46a7-8c43-79b7b7b34272">
+      <Terms xmlns="http://schemas.microsoft.com/office/infopath/2007/PartnerControls"/>
+    </lcf76f155ced4ddcb4097134ff3c332f>
+  </documentManagement>
+</p:properties>
 </file>
 
 <file path=customXml/item2.xml><?xml version="1.0" encoding="utf-8"?>
@@ -8019,20 +8022,27 @@
 </file>
 
 <file path=customXml/item3.xml><?xml version="1.0" encoding="utf-8"?>
-<p:properties xmlns:p="http://schemas.microsoft.com/office/2006/metadata/properties" xmlns:xsi="http://www.w3.org/2001/XMLSchema-instance" xmlns:pc="http://schemas.microsoft.com/office/infopath/2007/PartnerControls">
-  <documentManagement>
-    <TaxCatchAll xmlns="334cf2e0-0245-4f40-82a3-a831e5e7775a" xsi:nil="true"/>
-    <lcf76f155ced4ddcb4097134ff3c332f xmlns="d89fd5b0-f297-46a7-8c43-79b7b7b34272">
-      <Terms xmlns="http://schemas.microsoft.com/office/infopath/2007/PartnerControls"/>
-    </lcf76f155ced4ddcb4097134ff3c332f>
-  </documentManagement>
-</p:properties>
+<?mso-contentType ?>
+<FormTemplates xmlns="http://schemas.microsoft.com/sharepoint/v3/contenttype/forms">
+  <Display>DocumentLibraryForm</Display>
+  <Edit>DocumentLibraryForm</Edit>
+  <New>DocumentLibraryForm</New>
+</FormTemplates>
 </file>
 
 <file path=customXml/itemProps1.xml><?xml version="1.0" encoding="utf-8"?>
-<ds:datastoreItem xmlns:ds="http://schemas.openxmlformats.org/officeDocument/2006/customXml" ds:itemID="{6130639F-8A0E-4631-BB2C-1307E9C18413}">
+<ds:datastoreItem xmlns:ds="http://schemas.openxmlformats.org/officeDocument/2006/customXml" ds:itemID="{613B5A8C-C2D2-4C49-A03B-B41437F9A3AD}">
   <ds:schemaRefs>
-    <ds:schemaRef ds:uri="http://schemas.microsoft.com/sharepoint/v3/contenttype/forms"/>
+    <ds:schemaRef ds:uri="http://schemas.microsoft.com/office/2006/metadata/properties"/>
+    <ds:schemaRef ds:uri="http://schemas.openxmlformats.org/package/2006/metadata/core-properties"/>
+    <ds:schemaRef ds:uri="http://schemas.microsoft.com/office/2006/documentManagement/types"/>
+    <ds:schemaRef ds:uri="http://purl.org/dc/terms/"/>
+    <ds:schemaRef ds:uri="http://purl.org/dc/dcmitype/"/>
+    <ds:schemaRef ds:uri="http://purl.org/dc/elements/1.1/"/>
+    <ds:schemaRef ds:uri="http://schemas.microsoft.com/office/infopath/2007/PartnerControls"/>
+    <ds:schemaRef ds:uri="334cf2e0-0245-4f40-82a3-a831e5e7775a"/>
+    <ds:schemaRef ds:uri="d89fd5b0-f297-46a7-8c43-79b7b7b34272"/>
+    <ds:schemaRef ds:uri="http://www.w3.org/XML/1998/namespace"/>
   </ds:schemaRefs>
 </ds:datastoreItem>
 </file>
@@ -8057,18 +8067,9 @@
 </file>
 
 <file path=customXml/itemProps3.xml><?xml version="1.0" encoding="utf-8"?>
-<ds:datastoreItem xmlns:ds="http://schemas.openxmlformats.org/officeDocument/2006/customXml" ds:itemID="{613B5A8C-C2D2-4C49-A03B-B41437F9A3AD}">
+<ds:datastoreItem xmlns:ds="http://schemas.openxmlformats.org/officeDocument/2006/customXml" ds:itemID="{6130639F-8A0E-4631-BB2C-1307E9C18413}">
   <ds:schemaRefs>
-    <ds:schemaRef ds:uri="http://schemas.microsoft.com/office/2006/metadata/properties"/>
-    <ds:schemaRef ds:uri="http://schemas.openxmlformats.org/package/2006/metadata/core-properties"/>
-    <ds:schemaRef ds:uri="http://schemas.microsoft.com/office/2006/documentManagement/types"/>
-    <ds:schemaRef ds:uri="http://purl.org/dc/terms/"/>
-    <ds:schemaRef ds:uri="http://purl.org/dc/dcmitype/"/>
-    <ds:schemaRef ds:uri="http://purl.org/dc/elements/1.1/"/>
-    <ds:schemaRef ds:uri="http://schemas.microsoft.com/office/infopath/2007/PartnerControls"/>
-    <ds:schemaRef ds:uri="334cf2e0-0245-4f40-82a3-a831e5e7775a"/>
-    <ds:schemaRef ds:uri="d89fd5b0-f297-46a7-8c43-79b7b7b34272"/>
-    <ds:schemaRef ds:uri="http://www.w3.org/XML/1998/namespace"/>
+    <ds:schemaRef ds:uri="http://schemas.microsoft.com/sharepoint/v3/contenttype/forms"/>
   </ds:schemaRefs>
 </ds:datastoreItem>
 </file>
--- a/src/pages/en/events/2024-09-13/slides/00_index_en.pptx
+++ b/src/pages/en/events/2024-09-13/slides/00_index_en.pptx
@@ -5497,7 +5497,15 @@
             </a:pPr>
             <a:r>
               <a:rPr lang="en-US" altLang="ja-JP" dirty="0"/>
-              <a:t>Introduction to the basics of the ICT systems and Tools in UTokyo.</a:t>
+              <a:t>Introduction to the basics of the ICT systems and Tools </a:t>
+            </a:r>
+            <a:r>
+              <a:rPr lang="en-US" altLang="ja-JP"/>
+              <a:t>in UTokyo</a:t>
+            </a:r>
+            <a:r>
+              <a:rPr lang="en-US" altLang="ja-JP" dirty="0"/>
+              <a:t>.</a:t>
             </a:r>
           </a:p>
           <a:p>
@@ -7779,6 +7787,15 @@
 </file>
 
 <file path=customXml/item2.xml><?xml version="1.0" encoding="utf-8"?>
+<?mso-contentType ?>
+<FormTemplates xmlns="http://schemas.microsoft.com/sharepoint/v3/contenttype/forms">
+  <Display>DocumentLibraryForm</Display>
+  <Edit>DocumentLibraryForm</Edit>
+  <New>DocumentLibraryForm</New>
+</FormTemplates>
+</file>
+
+<file path=customXml/item3.xml><?xml version="1.0" encoding="utf-8"?>
 <ct:contentTypeSchema xmlns:ct="http://schemas.microsoft.com/office/2006/metadata/contentType" xmlns:ma="http://schemas.microsoft.com/office/2006/metadata/properties/metaAttributes" ct:_="" ma:_="" ma:contentTypeName="ドキュメント" ma:contentTypeID="0x010100BC2807EFFEAAE646B3C72679374A27AD" ma:contentTypeVersion="16" ma:contentTypeDescription="新しいドキュメントを作成します。" ma:contentTypeScope="" ma:versionID="fc2dabbf376b68d69de6d8a4d9b1094b">
   <xsd:schema xmlns:xsd="http://www.w3.org/2001/XMLSchema" xmlns:xs="http://www.w3.org/2001/XMLSchema" xmlns:p="http://schemas.microsoft.com/office/2006/metadata/properties" xmlns:ns2="d89fd5b0-f297-46a7-8c43-79b7b7b34272" xmlns:ns3="334cf2e0-0245-4f40-82a3-a831e5e7775a" targetNamespace="http://schemas.microsoft.com/office/2006/metadata/properties" ma:root="true" ma:fieldsID="2af6a43cef02a594c9bf66487b64536d" ns2:_="" ns3:_="">
     <xsd:import namespace="d89fd5b0-f297-46a7-8c43-79b7b7b34272"/>
@@ -8021,15 +8038,6 @@
 </ct:contentTypeSchema>
 </file>
 
-<file path=customXml/item3.xml><?xml version="1.0" encoding="utf-8"?>
-<?mso-contentType ?>
-<FormTemplates xmlns="http://schemas.microsoft.com/sharepoint/v3/contenttype/forms">
-  <Display>DocumentLibraryForm</Display>
-  <Edit>DocumentLibraryForm</Edit>
-  <New>DocumentLibraryForm</New>
-</FormTemplates>
-</file>
-
 <file path=customXml/itemProps1.xml><?xml version="1.0" encoding="utf-8"?>
 <ds:datastoreItem xmlns:ds="http://schemas.openxmlformats.org/officeDocument/2006/customXml" ds:itemID="{613B5A8C-C2D2-4C49-A03B-B41437F9A3AD}">
   <ds:schemaRefs>
@@ -8048,6 +8056,14 @@
 </file>
 
 <file path=customXml/itemProps2.xml><?xml version="1.0" encoding="utf-8"?>
+<ds:datastoreItem xmlns:ds="http://schemas.openxmlformats.org/officeDocument/2006/customXml" ds:itemID="{6130639F-8A0E-4631-BB2C-1307E9C18413}">
+  <ds:schemaRefs>
+    <ds:schemaRef ds:uri="http://schemas.microsoft.com/sharepoint/v3/contenttype/forms"/>
+  </ds:schemaRefs>
+</ds:datastoreItem>
+</file>
+
+<file path=customXml/itemProps3.xml><?xml version="1.0" encoding="utf-8"?>
 <ds:datastoreItem xmlns:ds="http://schemas.openxmlformats.org/officeDocument/2006/customXml" ds:itemID="{F93CFB6C-0365-477A-ACC4-69DD447D2CFE}">
   <ds:schemaRefs>
     <ds:schemaRef ds:uri="http://schemas.microsoft.com/office/2006/metadata/contentType"/>
@@ -8064,12 +8080,4 @@
     <ds:schemaRef ds:uri="http://schemas.microsoft.com/internal/obd"/>
   </ds:schemaRefs>
 </ds:datastoreItem>
-</file>
-
-<file path=customXml/itemProps3.xml><?xml version="1.0" encoding="utf-8"?>
-<ds:datastoreItem xmlns:ds="http://schemas.openxmlformats.org/officeDocument/2006/customXml" ds:itemID="{6130639F-8A0E-4631-BB2C-1307E9C18413}">
-  <ds:schemaRefs>
-    <ds:schemaRef ds:uri="http://schemas.microsoft.com/sharepoint/v3/contenttype/forms"/>
-  </ds:schemaRefs>
-</ds:datastoreItem>
 </file>